--- a/RISC-V stage 1.pptx
+++ b/RISC-V stage 1.pptx
@@ -104,6 +104,11 @@
       </a:defRPr>
     </a:lvl9pPr>
   </p:defaultTextStyle>
+  <p:extLst>
+    <p:ext uri="{EFAFB233-063F-42B5-8137-9DF3F51BA10A}">
+      <p15:sldGuideLst xmlns:p15="http://schemas.microsoft.com/office/powerpoint/2012/main"/>
+    </p:ext>
+  </p:extLst>
 </p:presentation>
 </file>
 
@@ -254,7 +259,7 @@
           <a:p>
             <a:fld id="{51AFF834-1BEC-4F95-9622-28B5DCC1FE16}" type="datetimeFigureOut">
               <a:rPr lang="en-US" smtClean="0"/>
-              <a:t>6/30/2025</a:t>
+              <a:t>7/1/2025</a:t>
             </a:fld>
             <a:endParaRPr lang="en-US"/>
           </a:p>
@@ -452,7 +457,7 @@
           <a:p>
             <a:fld id="{51AFF834-1BEC-4F95-9622-28B5DCC1FE16}" type="datetimeFigureOut">
               <a:rPr lang="en-US" smtClean="0"/>
-              <a:t>6/30/2025</a:t>
+              <a:t>7/1/2025</a:t>
             </a:fld>
             <a:endParaRPr lang="en-US"/>
           </a:p>
@@ -660,7 +665,7 @@
           <a:p>
             <a:fld id="{51AFF834-1BEC-4F95-9622-28B5DCC1FE16}" type="datetimeFigureOut">
               <a:rPr lang="en-US" smtClean="0"/>
-              <a:t>6/30/2025</a:t>
+              <a:t>7/1/2025</a:t>
             </a:fld>
             <a:endParaRPr lang="en-US"/>
           </a:p>
@@ -858,7 +863,7 @@
           <a:p>
             <a:fld id="{51AFF834-1BEC-4F95-9622-28B5DCC1FE16}" type="datetimeFigureOut">
               <a:rPr lang="en-US" smtClean="0"/>
-              <a:t>6/30/2025</a:t>
+              <a:t>7/1/2025</a:t>
             </a:fld>
             <a:endParaRPr lang="en-US"/>
           </a:p>
@@ -1133,7 +1138,7 @@
           <a:p>
             <a:fld id="{51AFF834-1BEC-4F95-9622-28B5DCC1FE16}" type="datetimeFigureOut">
               <a:rPr lang="en-US" smtClean="0"/>
-              <a:t>6/30/2025</a:t>
+              <a:t>7/1/2025</a:t>
             </a:fld>
             <a:endParaRPr lang="en-US"/>
           </a:p>
@@ -1398,7 +1403,7 @@
           <a:p>
             <a:fld id="{51AFF834-1BEC-4F95-9622-28B5DCC1FE16}" type="datetimeFigureOut">
               <a:rPr lang="en-US" smtClean="0"/>
-              <a:t>6/30/2025</a:t>
+              <a:t>7/1/2025</a:t>
             </a:fld>
             <a:endParaRPr lang="en-US"/>
           </a:p>
@@ -1810,7 +1815,7 @@
           <a:p>
             <a:fld id="{51AFF834-1BEC-4F95-9622-28B5DCC1FE16}" type="datetimeFigureOut">
               <a:rPr lang="en-US" smtClean="0"/>
-              <a:t>6/30/2025</a:t>
+              <a:t>7/1/2025</a:t>
             </a:fld>
             <a:endParaRPr lang="en-US"/>
           </a:p>
@@ -1951,7 +1956,7 @@
           <a:p>
             <a:fld id="{51AFF834-1BEC-4F95-9622-28B5DCC1FE16}" type="datetimeFigureOut">
               <a:rPr lang="en-US" smtClean="0"/>
-              <a:t>6/30/2025</a:t>
+              <a:t>7/1/2025</a:t>
             </a:fld>
             <a:endParaRPr lang="en-US"/>
           </a:p>
@@ -2064,7 +2069,7 @@
           <a:p>
             <a:fld id="{51AFF834-1BEC-4F95-9622-28B5DCC1FE16}" type="datetimeFigureOut">
               <a:rPr lang="en-US" smtClean="0"/>
-              <a:t>6/30/2025</a:t>
+              <a:t>7/1/2025</a:t>
             </a:fld>
             <a:endParaRPr lang="en-US"/>
           </a:p>
@@ -2375,7 +2380,7 @@
           <a:p>
             <a:fld id="{51AFF834-1BEC-4F95-9622-28B5DCC1FE16}" type="datetimeFigureOut">
               <a:rPr lang="en-US" smtClean="0"/>
-              <a:t>6/30/2025</a:t>
+              <a:t>7/1/2025</a:t>
             </a:fld>
             <a:endParaRPr lang="en-US"/>
           </a:p>
@@ -2663,7 +2668,7 @@
           <a:p>
             <a:fld id="{51AFF834-1BEC-4F95-9622-28B5DCC1FE16}" type="datetimeFigureOut">
               <a:rPr lang="en-US" smtClean="0"/>
-              <a:t>6/30/2025</a:t>
+              <a:t>7/1/2025</a:t>
             </a:fld>
             <a:endParaRPr lang="en-US"/>
           </a:p>
@@ -2904,7 +2909,7 @@
           <a:p>
             <a:fld id="{51AFF834-1BEC-4F95-9622-28B5DCC1FE16}" type="datetimeFigureOut">
               <a:rPr lang="en-US" smtClean="0"/>
-              <a:t>6/30/2025</a:t>
+              <a:t>7/1/2025</a:t>
             </a:fld>
             <a:endParaRPr lang="en-US"/>
           </a:p>
@@ -3335,8 +3340,8 @@
         </p:nvSpPr>
         <p:spPr>
           <a:xfrm>
-            <a:off x="4239645" y="233086"/>
-            <a:ext cx="4221412" cy="369332"/>
+            <a:off x="3977662" y="233086"/>
+            <a:ext cx="5050229" cy="369332"/>
           </a:xfrm>
           <a:prstGeom prst="rect">
             <a:avLst/>
@@ -3351,7 +3356,7 @@
           <a:p>
             <a:r>
               <a:rPr lang="en-US" b="1" dirty="0"/>
-              <a:t>RISC-V 5-cycle Multicycle Architecture</a:t>
+              <a:t>Stage 1. RISC-V 5-cycle Multicycle Architecture</a:t>
             </a:r>
           </a:p>
         </p:txBody>
@@ -5219,6 +5224,7 @@
           <a:prstGeom prst="line">
             <a:avLst/>
           </a:prstGeom>
+          <a:ln w="38100"/>
         </p:spPr>
         <p:style>
           <a:lnRef idx="2">
@@ -5255,6 +5261,7 @@
           <a:prstGeom prst="line">
             <a:avLst/>
           </a:prstGeom>
+          <a:ln w="38100"/>
         </p:spPr>
         <p:style>
           <a:lnRef idx="2">
@@ -5293,6 +5300,7 @@
           <a:prstGeom prst="line">
             <a:avLst/>
           </a:prstGeom>
+          <a:ln w="38100"/>
         </p:spPr>
         <p:style>
           <a:lnRef idx="2">
